--- a/2023 весна/лекции/лекция 8-9 нов.pptx
+++ b/2023 весна/лекции/лекция 8-9 нов.pptx
@@ -283,7 +283,7 @@
           <a:p>
             <a:fld id="{29642B24-77BB-4BC1-9DF3-4A3F237C5B04}" type="datetimeFigureOut">
               <a:rPr lang="ru-RU" smtClean="0"/>
-              <a:t>15.11.2021</a:t>
+              <a:t>22.11.2022</a:t>
             </a:fld>
             <a:endParaRPr lang="ru-RU"/>
           </a:p>
@@ -1236,7 +1236,7 @@
           <a:p>
             <a:fld id="{A194D002-0EC3-4530-B910-76D5CAB57DE5}" type="datetimeFigureOut">
               <a:rPr lang="ru-RU" smtClean="0"/>
-              <a:t>15.11.2021</a:t>
+              <a:t>22.11.2022</a:t>
             </a:fld>
             <a:endParaRPr lang="ru-RU"/>
           </a:p>
@@ -1406,7 +1406,7 @@
           <a:p>
             <a:fld id="{A194D002-0EC3-4530-B910-76D5CAB57DE5}" type="datetimeFigureOut">
               <a:rPr lang="ru-RU" smtClean="0"/>
-              <a:t>15.11.2021</a:t>
+              <a:t>22.11.2022</a:t>
             </a:fld>
             <a:endParaRPr lang="ru-RU"/>
           </a:p>
@@ -1586,7 +1586,7 @@
           <a:p>
             <a:fld id="{A194D002-0EC3-4530-B910-76D5CAB57DE5}" type="datetimeFigureOut">
               <a:rPr lang="ru-RU" smtClean="0"/>
-              <a:t>15.11.2021</a:t>
+              <a:t>22.11.2022</a:t>
             </a:fld>
             <a:endParaRPr lang="ru-RU"/>
           </a:p>
@@ -1756,7 +1756,7 @@
           <a:p>
             <a:fld id="{A194D002-0EC3-4530-B910-76D5CAB57DE5}" type="datetimeFigureOut">
               <a:rPr lang="ru-RU" smtClean="0"/>
-              <a:t>15.11.2021</a:t>
+              <a:t>22.11.2022</a:t>
             </a:fld>
             <a:endParaRPr lang="ru-RU"/>
           </a:p>
@@ -2002,7 +2002,7 @@
           <a:p>
             <a:fld id="{A194D002-0EC3-4530-B910-76D5CAB57DE5}" type="datetimeFigureOut">
               <a:rPr lang="ru-RU" smtClean="0"/>
-              <a:t>15.11.2021</a:t>
+              <a:t>22.11.2022</a:t>
             </a:fld>
             <a:endParaRPr lang="ru-RU"/>
           </a:p>
@@ -2290,7 +2290,7 @@
           <a:p>
             <a:fld id="{A194D002-0EC3-4530-B910-76D5CAB57DE5}" type="datetimeFigureOut">
               <a:rPr lang="ru-RU" smtClean="0"/>
-              <a:t>15.11.2021</a:t>
+              <a:t>22.11.2022</a:t>
             </a:fld>
             <a:endParaRPr lang="ru-RU"/>
           </a:p>
@@ -2712,7 +2712,7 @@
           <a:p>
             <a:fld id="{A194D002-0EC3-4530-B910-76D5CAB57DE5}" type="datetimeFigureOut">
               <a:rPr lang="ru-RU" smtClean="0"/>
-              <a:t>15.11.2021</a:t>
+              <a:t>22.11.2022</a:t>
             </a:fld>
             <a:endParaRPr lang="ru-RU"/>
           </a:p>
@@ -2830,7 +2830,7 @@
           <a:p>
             <a:fld id="{A194D002-0EC3-4530-B910-76D5CAB57DE5}" type="datetimeFigureOut">
               <a:rPr lang="ru-RU" smtClean="0"/>
-              <a:t>15.11.2021</a:t>
+              <a:t>22.11.2022</a:t>
             </a:fld>
             <a:endParaRPr lang="ru-RU"/>
           </a:p>
@@ -2925,7 +2925,7 @@
           <a:p>
             <a:fld id="{A194D002-0EC3-4530-B910-76D5CAB57DE5}" type="datetimeFigureOut">
               <a:rPr lang="ru-RU" smtClean="0"/>
-              <a:t>15.11.2021</a:t>
+              <a:t>22.11.2022</a:t>
             </a:fld>
             <a:endParaRPr lang="ru-RU"/>
           </a:p>
@@ -3202,7 +3202,7 @@
           <a:p>
             <a:fld id="{A194D002-0EC3-4530-B910-76D5CAB57DE5}" type="datetimeFigureOut">
               <a:rPr lang="ru-RU" smtClean="0"/>
-              <a:t>15.11.2021</a:t>
+              <a:t>22.11.2022</a:t>
             </a:fld>
             <a:endParaRPr lang="ru-RU"/>
           </a:p>
@@ -3455,7 +3455,7 @@
           <a:p>
             <a:fld id="{A194D002-0EC3-4530-B910-76D5CAB57DE5}" type="datetimeFigureOut">
               <a:rPr lang="ru-RU" smtClean="0"/>
-              <a:t>15.11.2021</a:t>
+              <a:t>22.11.2022</a:t>
             </a:fld>
             <a:endParaRPr lang="ru-RU"/>
           </a:p>
@@ -3668,7 +3668,7 @@
           <a:p>
             <a:fld id="{A194D002-0EC3-4530-B910-76D5CAB57DE5}" type="datetimeFigureOut">
               <a:rPr lang="ru-RU" smtClean="0"/>
-              <a:t>15.11.2021</a:t>
+              <a:t>22.11.2022</a:t>
             </a:fld>
             <a:endParaRPr lang="ru-RU"/>
           </a:p>
@@ -7457,11 +7457,7 @@
             </a:r>
             <a:r>
               <a:rPr lang="ru-RU" dirty="0" smtClean="0"/>
-              <a:t> </a:t>
-            </a:r>
-            <a:r>
-              <a:rPr lang="ru-RU" dirty="0" smtClean="0"/>
-              <a:t>виды </a:t>
+              <a:t> виды </a:t>
             </a:r>
             <a:r>
               <a:rPr lang="en-US" dirty="0" smtClean="0"/>
@@ -13124,11 +13120,7 @@
             </a:r>
             <a:r>
               <a:rPr lang="ru-RU" sz="2200" b="1" dirty="0" smtClean="0"/>
-              <a:t> ОС – т.е. вызывает </a:t>
-            </a:r>
-            <a:r>
-              <a:rPr lang="ru-RU" sz="2200" b="1" dirty="0" smtClean="0"/>
-              <a:t>прерывание. </a:t>
+              <a:t> ОС – т.е. вызывает прерывание. </a:t>
             </a:r>
             <a:endParaRPr lang="en-US" sz="2200" b="1" dirty="0" smtClean="0"/>
           </a:p>
@@ -13478,7 +13470,7 @@
         </p:spPr>
         <p:txBody>
           <a:bodyPr>
-            <a:normAutofit fontScale="92500"/>
+            <a:normAutofit fontScale="92500" lnSpcReduction="10000"/>
           </a:bodyPr>
           <a:lstStyle/>
           <a:p>
@@ -13577,11 +13569,11 @@
             </a:r>
             <a:r>
               <a:rPr lang="en-US" sz="2400" dirty="0" smtClean="0"/>
-              <a:t>USB3</a:t>
-            </a:r>
-            <a:r>
-              <a:rPr lang="ru-RU" sz="2400" dirty="0" smtClean="0"/>
-              <a:t>); </a:t>
+              <a:t>USB3, USB 4 40 </a:t>
+            </a:r>
+            <a:r>
+              <a:rPr lang="ru-RU" sz="2400" dirty="0"/>
+              <a:t>Гбит/с ); </a:t>
             </a:r>
             <a:endParaRPr lang="ru-RU" sz="2400" dirty="0"/>
           </a:p>
@@ -14321,11 +14313,7 @@
             </a:pPr>
             <a:r>
               <a:rPr lang="ru-RU" sz="2000" dirty="0" smtClean="0"/>
-              <a:t>Изменение </a:t>
-            </a:r>
-            <a:r>
-              <a:rPr lang="ru-RU" sz="2000" dirty="0" smtClean="0"/>
-              <a:t>дифференциального потенциала (пара </a:t>
+              <a:t>Изменение дифференциального потенциала (пара </a:t>
             </a:r>
             <a:r>
               <a:rPr lang="en-US" sz="2000" dirty="0" smtClean="0"/>
@@ -14343,7 +14331,6 @@
               <a:rPr lang="ru-RU" sz="2000" dirty="0" smtClean="0"/>
               <a:t>)</a:t>
             </a:r>
-            <a:endParaRPr lang="ru-RU" sz="2000" dirty="0" smtClean="0"/>
           </a:p>
           <a:p>
             <a:pPr marL="1320800" lvl="3">
@@ -14397,11 +14384,7 @@
             </a:pPr>
             <a:r>
               <a:rPr lang="ru-RU" sz="2000" dirty="0" smtClean="0"/>
-              <a:t>Не изменение </a:t>
-            </a:r>
-            <a:r>
-              <a:rPr lang="ru-RU" sz="2000" dirty="0" smtClean="0"/>
-              <a:t>дифференциального </a:t>
+              <a:t>Не изменение дифференциального </a:t>
             </a:r>
             <a:r>
               <a:rPr lang="ru-RU" sz="2000" dirty="0"/>
@@ -15848,7 +15831,6 @@
               <a:rPr lang="ru-RU" sz="2000" dirty="0" smtClean="0"/>
               <a:t>)</a:t>
             </a:r>
-            <a:endParaRPr lang="ru-RU" sz="2000" dirty="0" smtClean="0"/>
           </a:p>
         </p:txBody>
       </p:sp>
@@ -16211,7 +16193,7 @@
 </file>
 
 <file path=ppt/slides/slide38.xml><?xml version="1.0" encoding="utf-8"?>
-<p:sld xmlns:a="http://schemas.openxmlformats.org/drawingml/2006/main" xmlns:r="http://schemas.openxmlformats.org/officeDocument/2006/relationships" xmlns:p="http://schemas.openxmlformats.org/presentationml/2006/main">
+<p:sld xmlns:a="http://schemas.openxmlformats.org/drawingml/2006/main" xmlns:r="http://schemas.openxmlformats.org/officeDocument/2006/relationships" xmlns:p="http://schemas.openxmlformats.org/presentationml/2006/main" show="0">
   <p:cSld>
     <p:spTree>
       <p:nvGrpSpPr>
@@ -16379,6 +16361,14 @@
   <p:clrMapOvr>
     <a:masterClrMapping/>
   </p:clrMapOvr>
+  <mc:AlternateContent xmlns:mc="http://schemas.openxmlformats.org/markup-compatibility/2006">
+    <mc:Choice xmlns:p14="http://schemas.microsoft.com/office/powerpoint/2010/main" Requires="p14">
+      <p:transition spd="slow" p14:dur="2000"/>
+    </mc:Choice>
+    <mc:Fallback>
+      <p:transition spd="slow"/>
+    </mc:Fallback>
+  </mc:AlternateContent>
   <p:timing>
     <p:tnLst>
       <p:par>
@@ -16390,7 +16380,7 @@
 </file>
 
 <file path=ppt/slides/slide39.xml><?xml version="1.0" encoding="utf-8"?>
-<p:sld xmlns:a="http://schemas.openxmlformats.org/drawingml/2006/main" xmlns:r="http://schemas.openxmlformats.org/officeDocument/2006/relationships" xmlns:p="http://schemas.openxmlformats.org/presentationml/2006/main">
+<p:sld xmlns:a="http://schemas.openxmlformats.org/drawingml/2006/main" xmlns:r="http://schemas.openxmlformats.org/officeDocument/2006/relationships" xmlns:p="http://schemas.openxmlformats.org/presentationml/2006/main" show="0">
   <p:cSld>
     <p:spTree>
       <p:nvGrpSpPr>
@@ -16698,6 +16688,14 @@
   <p:clrMapOvr>
     <a:masterClrMapping/>
   </p:clrMapOvr>
+  <mc:AlternateContent xmlns:mc="http://schemas.openxmlformats.org/markup-compatibility/2006">
+    <mc:Choice xmlns:p14="http://schemas.microsoft.com/office/powerpoint/2010/main" Requires="p14">
+      <p:transition spd="slow" p14:dur="2000"/>
+    </mc:Choice>
+    <mc:Fallback>
+      <p:transition spd="slow"/>
+    </mc:Fallback>
+  </mc:AlternateContent>
   <p:timing>
     <p:tnLst>
       <p:par>
@@ -17751,7 +17749,7 @@
 </file>
 
 <file path=ppt/slides/slide40.xml><?xml version="1.0" encoding="utf-8"?>
-<p:sld xmlns:a="http://schemas.openxmlformats.org/drawingml/2006/main" xmlns:r="http://schemas.openxmlformats.org/officeDocument/2006/relationships" xmlns:p="http://schemas.openxmlformats.org/presentationml/2006/main">
+<p:sld xmlns:a="http://schemas.openxmlformats.org/drawingml/2006/main" xmlns:r="http://schemas.openxmlformats.org/officeDocument/2006/relationships" xmlns:p="http://schemas.openxmlformats.org/presentationml/2006/main" show="0">
   <p:cSld>
     <p:spTree>
       <p:nvGrpSpPr>
@@ -18001,6 +17999,14 @@
   <p:clrMapOvr>
     <a:masterClrMapping/>
   </p:clrMapOvr>
+  <mc:AlternateContent xmlns:mc="http://schemas.openxmlformats.org/markup-compatibility/2006">
+    <mc:Choice xmlns:p14="http://schemas.microsoft.com/office/powerpoint/2010/main" Requires="p14">
+      <p:transition spd="slow" p14:dur="2000"/>
+    </mc:Choice>
+    <mc:Fallback>
+      <p:transition spd="slow"/>
+    </mc:Fallback>
+  </mc:AlternateContent>
   <p:timing>
     <p:tnLst>
       <p:par>
@@ -18012,7 +18018,7 @@
 </file>
 
 <file path=ppt/slides/slide41.xml><?xml version="1.0" encoding="utf-8"?>
-<p:sld xmlns:a="http://schemas.openxmlformats.org/drawingml/2006/main" xmlns:r="http://schemas.openxmlformats.org/officeDocument/2006/relationships" xmlns:p="http://schemas.openxmlformats.org/presentationml/2006/main">
+<p:sld xmlns:a="http://schemas.openxmlformats.org/drawingml/2006/main" xmlns:r="http://schemas.openxmlformats.org/officeDocument/2006/relationships" xmlns:p="http://schemas.openxmlformats.org/presentationml/2006/main" show="0">
   <p:cSld>
     <p:spTree>
       <p:nvGrpSpPr>
@@ -18127,7 +18133,6 @@
               <a:rPr lang="ru-RU" sz="2100" dirty="0" smtClean="0"/>
               <a:t>, </a:t>
             </a:r>
-            <a:endParaRPr lang="ru-RU" sz="2100" dirty="0" smtClean="0"/>
           </a:p>
           <a:p>
             <a:pPr lvl="2"/>
@@ -18245,6 +18250,14 @@
   <p:clrMapOvr>
     <a:masterClrMapping/>
   </p:clrMapOvr>
+  <mc:AlternateContent xmlns:mc="http://schemas.openxmlformats.org/markup-compatibility/2006">
+    <mc:Choice xmlns:p14="http://schemas.microsoft.com/office/powerpoint/2010/main" Requires="p14">
+      <p:transition spd="slow" p14:dur="2000"/>
+    </mc:Choice>
+    <mc:Fallback>
+      <p:transition spd="slow"/>
+    </mc:Fallback>
+  </mc:AlternateContent>
   <p:timing>
     <p:tnLst>
       <p:par>
@@ -18256,7 +18269,7 @@
 </file>
 
 <file path=ppt/slides/slide42.xml><?xml version="1.0" encoding="utf-8"?>
-<p:sld xmlns:a="http://schemas.openxmlformats.org/drawingml/2006/main" xmlns:r="http://schemas.openxmlformats.org/officeDocument/2006/relationships" xmlns:p="http://schemas.openxmlformats.org/presentationml/2006/main">
+<p:sld xmlns:a="http://schemas.openxmlformats.org/drawingml/2006/main" xmlns:r="http://schemas.openxmlformats.org/officeDocument/2006/relationships" xmlns:p="http://schemas.openxmlformats.org/presentationml/2006/main" show="0">
   <p:cSld>
     <p:spTree>
       <p:nvGrpSpPr>
@@ -18480,6 +18493,14 @@
   <p:clrMapOvr>
     <a:masterClrMapping/>
   </p:clrMapOvr>
+  <mc:AlternateContent xmlns:mc="http://schemas.openxmlformats.org/markup-compatibility/2006">
+    <mc:Choice xmlns:p14="http://schemas.microsoft.com/office/powerpoint/2010/main" Requires="p14">
+      <p:transition spd="slow" p14:dur="2000"/>
+    </mc:Choice>
+    <mc:Fallback>
+      <p:transition spd="slow"/>
+    </mc:Fallback>
+  </mc:AlternateContent>
   <p:timing>
     <p:tnLst>
       <p:par>
@@ -18491,7 +18512,7 @@
 </file>
 
 <file path=ppt/slides/slide43.xml><?xml version="1.0" encoding="utf-8"?>
-<p:sld xmlns:a="http://schemas.openxmlformats.org/drawingml/2006/main" xmlns:r="http://schemas.openxmlformats.org/officeDocument/2006/relationships" xmlns:p="http://schemas.openxmlformats.org/presentationml/2006/main">
+<p:sld xmlns:a="http://schemas.openxmlformats.org/drawingml/2006/main" xmlns:r="http://schemas.openxmlformats.org/officeDocument/2006/relationships" xmlns:p="http://schemas.openxmlformats.org/presentationml/2006/main" show="0">
   <p:cSld>
     <p:spTree>
       <p:nvGrpSpPr>
@@ -18709,6 +18730,14 @@
   <p:clrMapOvr>
     <a:masterClrMapping/>
   </p:clrMapOvr>
+  <mc:AlternateContent xmlns:mc="http://schemas.openxmlformats.org/markup-compatibility/2006">
+    <mc:Choice xmlns:p14="http://schemas.microsoft.com/office/powerpoint/2010/main" Requires="p14">
+      <p:transition spd="slow" p14:dur="2000"/>
+    </mc:Choice>
+    <mc:Fallback>
+      <p:transition spd="slow"/>
+    </mc:Fallback>
+  </mc:AlternateContent>
   <p:timing>
     <p:tnLst>
       <p:par>
@@ -19344,11 +19373,7 @@
             <a:pPr lvl="1"/>
             <a:r>
               <a:rPr lang="ru-RU" sz="2100" b="1" dirty="0" smtClean="0"/>
-              <a:t>Доставка данных не гарантируется</a:t>
-            </a:r>
-            <a:r>
-              <a:rPr lang="ru-RU" sz="2100" b="1" dirty="0" smtClean="0"/>
-              <a:t>.!</a:t>
+              <a:t>Доставка данных не гарантируется.!</a:t>
             </a:r>
           </a:p>
           <a:p>
@@ -19357,7 +19382,6 @@
               <a:rPr lang="ru-RU" sz="2100" b="1" dirty="0" smtClean="0"/>
               <a:t>Но гарантируется приоритетность передачи данных. </a:t>
             </a:r>
-            <a:endParaRPr lang="ru-RU" sz="2100" b="1" dirty="0" smtClean="0"/>
           </a:p>
           <a:p>
             <a:pPr lvl="2"/>
@@ -19532,11 +19556,7 @@
             </a:pPr>
             <a:r>
               <a:rPr lang="ru-RU" sz="1800" dirty="0" smtClean="0"/>
-              <a:t>( но можно опрашивать в период от 0 сек. До установленного максимума</a:t>
-            </a:r>
-            <a:r>
-              <a:rPr lang="ru-RU" sz="1800" dirty="0" smtClean="0"/>
-              <a:t>).</a:t>
+              <a:t>( но можно опрашивать в период от 0 сек. До установленного максимума).</a:t>
             </a:r>
           </a:p>
           <a:p>
@@ -19566,11 +19586,7 @@
             </a:pPr>
             <a:r>
               <a:rPr lang="ru-RU" sz="2200" b="1" dirty="0" smtClean="0"/>
-              <a:t>Метод </a:t>
-            </a:r>
-            <a:r>
-              <a:rPr lang="ru-RU" sz="2200" b="1" dirty="0" smtClean="0"/>
-              <a:t>позволяет </a:t>
+              <a:t>Метод позволяет </a:t>
             </a:r>
             <a:r>
               <a:rPr lang="ru-RU" sz="2200" b="1" dirty="0"/>
@@ -19624,11 +19640,7 @@
             </a:r>
             <a:r>
               <a:rPr lang="ru-RU" sz="2200" b="1" dirty="0" smtClean="0"/>
-              <a:t>устройства вместо прерываний проводится </a:t>
-            </a:r>
-            <a:r>
-              <a:rPr lang="ru-RU" sz="2200" b="1" dirty="0" smtClean="0"/>
-              <a:t>регулярный опрос!</a:t>
+              <a:t>устройства вместо прерываний проводится регулярный опрос!</a:t>
             </a:r>
           </a:p>
           <a:p>
@@ -19639,19 +19651,7 @@
             </a:pPr>
             <a:r>
               <a:rPr lang="ru-RU" sz="1800" dirty="0" smtClean="0"/>
-              <a:t>Тут </a:t>
-            </a:r>
-            <a:r>
-              <a:rPr lang="ru-RU" sz="1800" dirty="0" smtClean="0"/>
-              <a:t>используются только часто </a:t>
-            </a:r>
-            <a:r>
-              <a:rPr lang="ru-RU" sz="1800" dirty="0" smtClean="0"/>
-              <a:t>используемые </a:t>
-            </a:r>
-            <a:r>
-              <a:rPr lang="ru-RU" sz="1800" dirty="0" smtClean="0"/>
-              <a:t>устройства и у них как правило небольшой трафик данных – то есть они не сильно должны грузить систему.</a:t>
+              <a:t>Тут используются только часто используемые устройства и у них как правило небольшой трафик данных – то есть они не сильно должны грузить систему.</a:t>
             </a:r>
           </a:p>
         </p:txBody>
@@ -19807,11 +19807,7 @@
             </a:r>
             <a:r>
               <a:rPr lang="ru-RU" sz="2100" dirty="0" smtClean="0"/>
-              <a:t> </a:t>
-            </a:r>
-            <a:r>
-              <a:rPr lang="ru-RU" sz="2100" dirty="0" smtClean="0"/>
-              <a:t>для </a:t>
+              <a:t> для </a:t>
             </a:r>
             <a:r>
               <a:rPr lang="ru-RU" sz="2100" dirty="0"/>
@@ -19921,7 +19917,6 @@
               <a:rPr lang="ru-RU" sz="2100" dirty="0" smtClean="0"/>
               <a:t>Приоритетность средняя, к полосе требований нет, так как считается, что трафик небольшой.</a:t>
             </a:r>
-            <a:endParaRPr lang="ru-RU" sz="2100" dirty="0" smtClean="0"/>
           </a:p>
         </p:txBody>
       </p:sp>
@@ -20487,7 +20482,6 @@
               <a:rPr lang="ru-RU" sz="2000" b="1" dirty="0" smtClean="0"/>
               <a:t>Но приоритетность нет. Размер полосы пропускания по остаточному принципу. </a:t>
             </a:r>
-            <a:endParaRPr lang="ru-RU" sz="2000" b="1" dirty="0" smtClean="0"/>
           </a:p>
           <a:p>
             <a:pPr lvl="1">
@@ -20567,15 +20561,7 @@
           <a:p>
             <a:r>
               <a:rPr lang="ru-RU" sz="3600" b="1" dirty="0" smtClean="0"/>
-              <a:t>Режим управляемой </a:t>
-            </a:r>
-            <a:r>
-              <a:rPr lang="ru-RU" sz="3600" b="1" dirty="0" smtClean="0"/>
-              <a:t>передачи (</a:t>
-            </a:r>
-            <a:r>
-              <a:rPr lang="ru-RU" sz="3600" b="1" dirty="0" smtClean="0"/>
-              <a:t>конфигурирования)</a:t>
+              <a:t>Режим управляемой передачи (конфигурирования)</a:t>
             </a:r>
             <a:endParaRPr lang="ru-RU" sz="3600" b="1" dirty="0"/>
           </a:p>
@@ -20848,7 +20834,6 @@
               <a:rPr lang="ru-RU" sz="2200" i="1" u="sng" dirty="0" smtClean="0"/>
               <a:t>. Гарантируется полоса. </a:t>
             </a:r>
-            <a:endParaRPr lang="ru-RU" sz="2200" i="1" u="sng" dirty="0" smtClean="0"/>
           </a:p>
           <a:p>
             <a:pPr>
@@ -20879,7 +20864,11 @@
             </a:r>
             <a:r>
               <a:rPr lang="ru-RU" sz="2000" b="1" dirty="0"/>
-              <a:t>управляющие передачи </a:t>
+              <a:t>управляющие </a:t>
+            </a:r>
+            <a:r>
+              <a:rPr lang="ru-RU" sz="2000" b="1" dirty="0" smtClean="0"/>
+              <a:t>устройство </a:t>
             </a:r>
             <a:r>
               <a:rPr lang="ru-RU" sz="2000" b="1" dirty="0" smtClean="0"/>
@@ -21637,7 +21626,7 @@
 </file>
 
 <file path=ppt/slides/slide56.xml><?xml version="1.0" encoding="utf-8"?>
-<p:sld xmlns:a="http://schemas.openxmlformats.org/drawingml/2006/main" xmlns:r="http://schemas.openxmlformats.org/officeDocument/2006/relationships" xmlns:p="http://schemas.openxmlformats.org/presentationml/2006/main">
+<p:sld xmlns:a="http://schemas.openxmlformats.org/drawingml/2006/main" xmlns:r="http://schemas.openxmlformats.org/officeDocument/2006/relationships" xmlns:p="http://schemas.openxmlformats.org/presentationml/2006/main" show="0">
   <p:cSld>
     <p:spTree>
       <p:nvGrpSpPr>
@@ -21862,6 +21851,14 @@
   <p:clrMapOvr>
     <a:masterClrMapping/>
   </p:clrMapOvr>
+  <mc:AlternateContent xmlns:mc="http://schemas.openxmlformats.org/markup-compatibility/2006">
+    <mc:Choice xmlns:p14="http://schemas.microsoft.com/office/powerpoint/2010/main" Requires="p14">
+      <p:transition spd="slow" p14:dur="2000"/>
+    </mc:Choice>
+    <mc:Fallback>
+      <p:transition spd="slow"/>
+    </mc:Fallback>
+  </mc:AlternateContent>
   <p:timing>
     <p:tnLst>
       <p:par>
@@ -21962,7 +21959,6 @@
               <a:rPr lang="ru-RU" sz="2400" dirty="0" smtClean="0"/>
               <a:t>использования (то есть драйвер). </a:t>
             </a:r>
-            <a:endParaRPr lang="ru-RU" sz="2400" dirty="0" smtClean="0"/>
           </a:p>
           <a:p>
             <a:pPr marL="581025" lvl="1" indent="-161925">
@@ -21983,13 +21979,8 @@
             </a:pPr>
             <a:r>
               <a:rPr lang="ru-RU" sz="2000" dirty="0" smtClean="0"/>
-              <a:t>В устройстве может быть больше одного </a:t>
-            </a:r>
-            <a:r>
-              <a:rPr lang="ru-RU" sz="2000" dirty="0" smtClean="0"/>
-              <a:t>интерфейса </a:t>
-            </a:r>
-            <a:endParaRPr lang="ru-RU" sz="2000" dirty="0" smtClean="0"/>
+              <a:t>В устройстве может быть больше одного интерфейса </a:t>
+            </a:r>
           </a:p>
           <a:p>
             <a:pPr marL="1438275" lvl="3" indent="-161925">
@@ -21999,15 +21990,7 @@
             </a:pPr>
             <a:r>
               <a:rPr lang="ru-RU" sz="2400" dirty="0" smtClean="0"/>
-              <a:t> </a:t>
-            </a:r>
-            <a:r>
-              <a:rPr lang="ru-RU" sz="2400" dirty="0" smtClean="0"/>
-              <a:t>Интерфейсы позволяют </a:t>
-            </a:r>
-            <a:r>
-              <a:rPr lang="ru-RU" sz="2400" dirty="0" smtClean="0"/>
-              <a:t>реализовать в устройстве несколько функций (драйверов), напр. </a:t>
+              <a:t> Интерфейсы позволяют реализовать в устройстве несколько функций (драйверов), напр. </a:t>
             </a:r>
             <a:r>
               <a:rPr lang="en-US" sz="2400" dirty="0" err="1" smtClean="0"/>
@@ -22038,11 +22021,7 @@
             </a:pPr>
             <a:r>
               <a:rPr lang="ru-RU" dirty="0" smtClean="0"/>
-              <a:t>Одновременно </a:t>
-            </a:r>
-            <a:r>
-              <a:rPr lang="ru-RU" dirty="0" smtClean="0"/>
-              <a:t>активной </a:t>
+              <a:t>Одновременно активной </a:t>
             </a:r>
             <a:r>
               <a:rPr lang="ru-RU" dirty="0"/>
@@ -22061,11 +22040,7 @@
             </a:pPr>
             <a:r>
               <a:rPr lang="ru-RU" dirty="0" smtClean="0"/>
-              <a:t>Каждому интерфейсу соответствует драйвер</a:t>
-            </a:r>
-            <a:r>
-              <a:rPr lang="ru-RU" dirty="0" smtClean="0"/>
-              <a:t>.</a:t>
+              <a:t>Каждому интерфейсу соответствует драйвер.</a:t>
             </a:r>
             <a:endParaRPr lang="ru-RU" dirty="0"/>
           </a:p>
@@ -23390,11 +23365,7 @@
             </a:r>
             <a:r>
               <a:rPr lang="ru-RU" b="1" dirty="0" smtClean="0"/>
-              <a:t>(уровень </a:t>
-            </a:r>
-            <a:r>
-              <a:rPr lang="ru-RU" b="1" dirty="0" smtClean="0"/>
-              <a:t>передачи – прикладной уровень).</a:t>
+              <a:t>(уровень передачи – прикладной уровень).</a:t>
             </a:r>
             <a:endParaRPr lang="ru-RU" dirty="0"/>
           </a:p>
@@ -23780,13 +23751,8 @@
             </a:r>
             <a:r>
               <a:rPr lang="ru-RU" sz="2200" dirty="0" smtClean="0"/>
-              <a:t>на подканалы для различных своих данных (например, аудио, субтитры и видео в фильме</a:t>
-            </a:r>
-            <a:r>
-              <a:rPr lang="ru-RU" sz="2200" dirty="0" smtClean="0"/>
-              <a:t>) – подканалы последовательные, а не параллельно.</a:t>
-            </a:r>
-            <a:endParaRPr lang="ru-RU" sz="2200" dirty="0" smtClean="0"/>
+              <a:t>на подканалы для различных своих данных (например, аудио, субтитры и видео в фильме) – подканалы последовательные, а не параллельно.</a:t>
+            </a:r>
           </a:p>
           <a:p>
             <a:pPr lvl="3">
